--- a/2023-05-03 - Active Solution/Cake.pptx
+++ b/2023-05-03 - Active Solution/Cake.pptx
@@ -1033,7 +1033,7 @@
     </p:spTree>
     <p:extLst>
       <p:ext uri="{BB962C8B-B14F-4D97-AF65-F5344CB8AC3E}">
-        <p14:creationId xmlns:p14="http://schemas.microsoft.com/office/powerpoint/2010/main" val="1798116629"/>
+        <p14:creationId xmlns:p14="http://schemas.microsoft.com/office/powerpoint/2010/main" val="3947996670"/>
       </p:ext>
     </p:extLst>
   </p:cSld>
@@ -1087,17 +1087,14 @@
           <a:bodyPr/>
           <a:lstStyle/>
           <a:p>
-            <a:r>
-              <a:rPr lang="en-US" dirty="0"/>
-              <a:t>It always behaves the same, but can be configured to behave differently depending on environment. “Oh, we’re not on Azure DevOps, don’t run deploy task”</a:t>
-            </a:r>
+            <a:endParaRPr lang="en-SE" dirty="0"/>
           </a:p>
         </p:txBody>
       </p:sp>
     </p:spTree>
     <p:extLst>
       <p:ext uri="{BB962C8B-B14F-4D97-AF65-F5344CB8AC3E}">
-        <p14:creationId xmlns:p14="http://schemas.microsoft.com/office/powerpoint/2010/main" val="10095261"/>
+        <p14:creationId xmlns:p14="http://schemas.microsoft.com/office/powerpoint/2010/main" val="1798116629"/>
       </p:ext>
     </p:extLst>
   </p:cSld>
@@ -1151,6 +1148,70 @@
           <a:bodyPr/>
           <a:lstStyle/>
           <a:p>
+            <a:r>
+              <a:rPr lang="en-US" dirty="0"/>
+              <a:t>It always behaves the same, but can be configured to behave differently depending on environment. “Oh, we’re not on Azure DevOps, don’t run deploy task”</a:t>
+            </a:r>
+          </a:p>
+        </p:txBody>
+      </p:sp>
+    </p:spTree>
+    <p:extLst>
+      <p:ext uri="{BB962C8B-B14F-4D97-AF65-F5344CB8AC3E}">
+        <p14:creationId xmlns:p14="http://schemas.microsoft.com/office/powerpoint/2010/main" val="10095261"/>
+      </p:ext>
+    </p:extLst>
+  </p:cSld>
+  <p:clrMapOvr>
+    <a:masterClrMapping/>
+  </p:clrMapOvr>
+</p:notes>
+</file>
+
+<file path=ppt/notesSlides/notesSlide7.xml><?xml version="1.0" encoding="utf-8"?>
+<p:notes xmlns:a="http://schemas.openxmlformats.org/drawingml/2006/main" xmlns:r="http://schemas.openxmlformats.org/officeDocument/2006/relationships" xmlns:p="http://schemas.openxmlformats.org/presentationml/2006/main">
+  <p:cSld>
+    <p:spTree>
+      <p:nvGrpSpPr>
+        <p:cNvPr id="1" name=""/>
+        <p:cNvGrpSpPr/>
+        <p:nvPr/>
+      </p:nvGrpSpPr>
+      <p:grpSpPr>
+        <a:xfrm>
+          <a:off x="0" y="0"/>
+          <a:ext cx="0" cy="0"/>
+          <a:chOff x="0" y="0"/>
+          <a:chExt cx="0" cy="0"/>
+        </a:xfrm>
+      </p:grpSpPr>
+      <p:sp>
+        <p:nvSpPr>
+          <p:cNvPr id="2" name="Slide Image Placeholder 1"/>
+          <p:cNvSpPr>
+            <a:spLocks noGrp="1" noRot="1" noChangeAspect="1"/>
+          </p:cNvSpPr>
+          <p:nvPr>
+            <p:ph type="sldImg"/>
+          </p:nvPr>
+        </p:nvSpPr>
+        <p:spPr/>
+      </p:sp>
+      <p:sp>
+        <p:nvSpPr>
+          <p:cNvPr id="3" name="Notes Placeholder 2"/>
+          <p:cNvSpPr>
+            <a:spLocks noGrp="1"/>
+          </p:cNvSpPr>
+          <p:nvPr>
+            <p:ph type="body" idx="1"/>
+          </p:nvPr>
+        </p:nvSpPr>
+        <p:spPr/>
+        <p:txBody>
+          <a:bodyPr/>
+          <a:lstStyle/>
+          <a:p>
             <a:pPr marL="342900" indent="-342900">
               <a:buFont typeface="Arial" panose="020B0604020202020204" pitchFamily="34" charset="0"/>
               <a:buChar char="•"/>
@@ -1183,7 +1244,7 @@
 </p:notes>
 </file>
 
-<file path=ppt/notesSlides/notesSlide7.xml><?xml version="1.0" encoding="utf-8"?>
+<file path=ppt/notesSlides/notesSlide8.xml><?xml version="1.0" encoding="utf-8"?>
 <p:notes xmlns:a="http://schemas.openxmlformats.org/drawingml/2006/main" xmlns:r="http://schemas.openxmlformats.org/officeDocument/2006/relationships" xmlns:p="http://schemas.openxmlformats.org/presentationml/2006/main">
   <p:cSld>
     <p:spTree>
@@ -2312,7 +2373,7 @@
           </a:ln>
           <a:extLst>
             <a:ext uri="{C572A759-6A51-4108-AA02-DFA0A04FC94B}">
-              <ma14:wrappingTextBoxFlag xmlns="" xmlns:ma14="http://schemas.microsoft.com/office/mac/drawingml/2011/main" val="1"/>
+              <ma14:wrappingTextBoxFlag xmlns:ma14="http://schemas.microsoft.com/office/mac/drawingml/2011/main" xmlns="" val="1"/>
             </a:ext>
           </a:extLst>
         </p:spPr>
@@ -4568,13 +4629,13 @@
         </p:spPr>
         <p:txBody>
           <a:bodyPr>
-            <a:normAutofit/>
+            <a:normAutofit fontScale="92500" lnSpcReduction="10000"/>
           </a:bodyPr>
           <a:lstStyle/>
           <a:p>
             <a:r>
               <a:rPr lang="sv-SE" dirty="0"/>
-              <a:t>Microsoft</a:t>
+              <a:t>Microsoft &amp; GitHub</a:t>
             </a:r>
           </a:p>
           <a:p>
@@ -4586,19 +4647,44 @@
           <a:p>
             <a:r>
               <a:rPr lang="sv-SE" dirty="0"/>
-              <a:t>GitHub</a:t>
-            </a:r>
-          </a:p>
-          <a:p>
-            <a:r>
+              <a:t>Octopus Deploy</a:t>
+            </a:r>
+            <a:br>
               <a:rPr lang="sv-SE" dirty="0"/>
-              <a:t>Octopus Deploy</a:t>
-            </a:r>
-          </a:p>
-          <a:p>
+            </a:br>
             <a:r>
               <a:rPr lang="sv-SE" dirty="0"/>
-              <a:t>Omnisharp, Nunit, NSubstitute, Polly, and more...</a:t>
+              <a:t> </a:t>
+            </a:r>
+            <a:r>
+              <a:rPr lang="sv-SE" sz="2600" b="1" u="sng" dirty="0"/>
+              <a:t>Big sponsor of Cake! </a:t>
+            </a:r>
+            <a:r>
+              <a:rPr lang="en-US" sz="2600" dirty="0"/>
+              <a:t>🥰</a:t>
+            </a:r>
+            <a:br>
+              <a:rPr lang="en-US" sz="2600" dirty="0"/>
+            </a:br>
+            <a:r>
+              <a:rPr lang="en-US" sz="2600" dirty="0"/>
+              <a:t>  They’re awesome, check them out!</a:t>
+            </a:r>
+            <a:endParaRPr lang="sv-SE" sz="2600" dirty="0"/>
+          </a:p>
+          <a:p>
+            <a:r>
+              <a:rPr lang="sv-SE" sz="3500" dirty="0"/>
+              <a:t>MAUI, Omnisharp, Azure DotNetty, NUnit, NSubstitute, Polly, SQL Tool Service, MongoDB.NET, SkiaSharp, NHibernate, Octokit, Chocolatey GUI, BenchmarkDotNet, GitTools, Bitwarden, Microsoft AppCenter SDK, DotNetNuke </a:t>
+            </a:r>
+            <a:r>
+              <a:rPr lang="sv-SE" sz="3500" b="1" dirty="0"/>
+              <a:t>and many more</a:t>
+            </a:r>
+            <a:r>
+              <a:rPr lang="sv-SE" sz="3500" dirty="0"/>
+              <a:t>...</a:t>
             </a:r>
           </a:p>
         </p:txBody>
@@ -4618,7 +4704,7 @@
           <p:nvPr/>
         </p:nvPicPr>
         <p:blipFill>
-          <a:blip r:embed="rId2">
+          <a:blip r:embed="rId3">
             <a:extLst>
               <a:ext uri="{28A0092B-C50C-407E-A947-70E740481C1C}">
                 <a14:useLocalDpi xmlns:a14="http://schemas.microsoft.com/office/drawing/2010/main" val="0"/>
@@ -4632,7 +4718,7 @@
         </p:blipFill>
         <p:spPr bwMode="auto">
           <a:xfrm>
-            <a:off x="6886219" y="2971800"/>
+            <a:off x="7123423" y="3645131"/>
             <a:ext cx="1905000" cy="1905000"/>
           </a:xfrm>
           <a:prstGeom prst="rect">
@@ -4665,7 +4751,7 @@
           <p:nvPr/>
         </p:nvPicPr>
         <p:blipFill>
-          <a:blip r:embed="rId3">
+          <a:blip r:embed="rId4">
             <a:extLst>
               <a:ext uri="{28A0092B-C50C-407E-A947-70E740481C1C}">
                 <a14:useLocalDpi xmlns:a14="http://schemas.microsoft.com/office/drawing/2010/main" val="0"/>
@@ -4679,7 +4765,7 @@
         </p:blipFill>
         <p:spPr bwMode="auto">
           <a:xfrm>
-            <a:off x="8791219" y="2544258"/>
+            <a:off x="9028423" y="3217589"/>
             <a:ext cx="2760084" cy="2760084"/>
           </a:xfrm>
           <a:prstGeom prst="rect">
@@ -4712,7 +4798,7 @@
           <p:nvPr/>
         </p:nvPicPr>
         <p:blipFill>
-          <a:blip r:embed="rId4">
+          <a:blip r:embed="rId5">
             <a:extLst>
               <a:ext uri="{28A0092B-C50C-407E-A947-70E740481C1C}">
                 <a14:useLocalDpi xmlns:a14="http://schemas.microsoft.com/office/drawing/2010/main" val="0"/>
@@ -4726,7 +4812,7 @@
         </p:blipFill>
         <p:spPr bwMode="auto">
           <a:xfrm>
-            <a:off x="11728673" y="2971800"/>
+            <a:off x="11965877" y="3645131"/>
             <a:ext cx="1905000" cy="1905000"/>
           </a:xfrm>
           <a:prstGeom prst="rect">
@@ -4759,7 +4845,7 @@
           <p:nvPr/>
         </p:nvPicPr>
         <p:blipFill>
-          <a:blip r:embed="rId5">
+          <a:blip r:embed="rId6">
             <a:extLst>
               <a:ext uri="{28A0092B-C50C-407E-A947-70E740481C1C}">
                 <a14:useLocalDpi xmlns:a14="http://schemas.microsoft.com/office/drawing/2010/main" val="0"/>
@@ -4773,7 +4859,7 @@
         </p:blipFill>
         <p:spPr bwMode="auto">
           <a:xfrm>
-            <a:off x="14246543" y="2971800"/>
+            <a:off x="14483747" y="3645131"/>
             <a:ext cx="1905000" cy="1905000"/>
           </a:xfrm>
           <a:prstGeom prst="rect">
@@ -4996,43 +5082,21 @@
                                   </p:childTnLst>
                                 </p:cTn>
                               </p:par>
-                            </p:childTnLst>
-                          </p:cTn>
-                        </p:par>
-                      </p:childTnLst>
-                    </p:cTn>
-                  </p:par>
-                  <p:par>
-                    <p:cTn id="19" fill="hold">
-                      <p:stCondLst>
-                        <p:cond delay="indefinite"/>
-                      </p:stCondLst>
-                      <p:childTnLst>
-                        <p:par>
-                          <p:cTn id="20" fill="hold">
-                            <p:stCondLst>
-                              <p:cond delay="0"/>
-                            </p:stCondLst>
-                            <p:childTnLst>
                               <p:par>
-                                <p:cTn id="21" presetID="10" presetClass="entr" presetSubtype="0" fill="hold" grpId="0" nodeType="clickEffect">
+                                <p:cTn id="19" presetID="10" presetClass="entr" presetSubtype="0" fill="hold" nodeType="withEffect">
                                   <p:stCondLst>
                                     <p:cond delay="0"/>
                                   </p:stCondLst>
                                   <p:childTnLst>
                                     <p:set>
                                       <p:cBhvr>
-                                        <p:cTn id="22" dur="1" fill="hold">
+                                        <p:cTn id="20" dur="1" fill="hold">
                                           <p:stCondLst>
                                             <p:cond delay="0"/>
                                           </p:stCondLst>
                                         </p:cTn>
                                         <p:tgtEl>
-                                          <p:spTgt spid="6">
-                                            <p:txEl>
-                                              <p:pRg st="2" end="2"/>
-                                            </p:txEl>
-                                          </p:spTgt>
+                                          <p:spTgt spid="1030"/>
                                         </p:tgtEl>
                                         <p:attrNameLst>
                                           <p:attrName>style.visibility</p:attrName>
@@ -5044,46 +5108,7 @@
                                     </p:set>
                                     <p:animEffect transition="in" filter="fade">
                                       <p:cBhvr>
-                                        <p:cTn id="23" dur="500"/>
-                                        <p:tgtEl>
-                                          <p:spTgt spid="6">
-                                            <p:txEl>
-                                              <p:pRg st="2" end="2"/>
-                                            </p:txEl>
-                                          </p:spTgt>
-                                        </p:tgtEl>
-                                      </p:cBhvr>
-                                    </p:animEffect>
-                                  </p:childTnLst>
-                                </p:cTn>
-                              </p:par>
-                              <p:par>
-                                <p:cTn id="24" presetID="10" presetClass="entr" presetSubtype="0" fill="hold" nodeType="withEffect">
-                                  <p:stCondLst>
-                                    <p:cond delay="0"/>
-                                  </p:stCondLst>
-                                  <p:childTnLst>
-                                    <p:set>
-                                      <p:cBhvr>
-                                        <p:cTn id="25" dur="1" fill="hold">
-                                          <p:stCondLst>
-                                            <p:cond delay="0"/>
-                                          </p:stCondLst>
-                                        </p:cTn>
-                                        <p:tgtEl>
-                                          <p:spTgt spid="1030"/>
-                                        </p:tgtEl>
-                                        <p:attrNameLst>
-                                          <p:attrName>style.visibility</p:attrName>
-                                        </p:attrNameLst>
-                                      </p:cBhvr>
-                                      <p:to>
-                                        <p:strVal val="visible"/>
-                                      </p:to>
-                                    </p:set>
-                                    <p:animEffect transition="in" filter="fade">
-                                      <p:cBhvr>
-                                        <p:cTn id="26" dur="500"/>
+                                        <p:cTn id="21" dur="500"/>
                                         <p:tgtEl>
                                           <p:spTgt spid="1030"/>
                                         </p:tgtEl>
@@ -5099,26 +5124,26 @@
                     </p:cTn>
                   </p:par>
                   <p:par>
-                    <p:cTn id="27" fill="hold">
+                    <p:cTn id="22" fill="hold">
                       <p:stCondLst>
                         <p:cond delay="indefinite"/>
                       </p:stCondLst>
                       <p:childTnLst>
                         <p:par>
-                          <p:cTn id="28" fill="hold">
+                          <p:cTn id="23" fill="hold">
                             <p:stCondLst>
                               <p:cond delay="0"/>
                             </p:stCondLst>
                             <p:childTnLst>
                               <p:par>
-                                <p:cTn id="29" presetID="10" presetClass="entr" presetSubtype="0" fill="hold" grpId="0" nodeType="clickEffect">
+                                <p:cTn id="24" presetID="10" presetClass="entr" presetSubtype="0" fill="hold" grpId="0" nodeType="clickEffect">
                                   <p:stCondLst>
                                     <p:cond delay="0"/>
                                   </p:stCondLst>
                                   <p:childTnLst>
                                     <p:set>
                                       <p:cBhvr>
-                                        <p:cTn id="30" dur="1" fill="hold">
+                                        <p:cTn id="25" dur="1" fill="hold">
                                           <p:stCondLst>
                                             <p:cond delay="0"/>
                                           </p:stCondLst>
@@ -5126,7 +5151,7 @@
                                         <p:tgtEl>
                                           <p:spTgt spid="6">
                                             <p:txEl>
-                                              <p:pRg st="3" end="3"/>
+                                              <p:pRg st="2" end="2"/>
                                             </p:txEl>
                                           </p:spTgt>
                                         </p:tgtEl>
@@ -5140,11 +5165,11 @@
                                     </p:set>
                                     <p:animEffect transition="in" filter="fade">
                                       <p:cBhvr>
-                                        <p:cTn id="31" dur="500"/>
+                                        <p:cTn id="26" dur="500"/>
                                         <p:tgtEl>
                                           <p:spTgt spid="6">
                                             <p:txEl>
-                                              <p:pRg st="3" end="3"/>
+                                              <p:pRg st="2" end="2"/>
                                             </p:txEl>
                                           </p:spTgt>
                                         </p:tgtEl>
@@ -5154,14 +5179,14 @@
                                 </p:cTn>
                               </p:par>
                               <p:par>
-                                <p:cTn id="32" presetID="10" presetClass="entr" presetSubtype="0" fill="hold" nodeType="withEffect">
+                                <p:cTn id="27" presetID="10" presetClass="entr" presetSubtype="0" fill="hold" nodeType="withEffect">
                                   <p:stCondLst>
                                     <p:cond delay="0"/>
                                   </p:stCondLst>
                                   <p:childTnLst>
                                     <p:set>
                                       <p:cBhvr>
-                                        <p:cTn id="33" dur="1" fill="hold">
+                                        <p:cTn id="28" dur="1" fill="hold">
                                           <p:stCondLst>
                                             <p:cond delay="0"/>
                                           </p:stCondLst>
@@ -5179,7 +5204,7 @@
                                     </p:set>
                                     <p:animEffect transition="in" filter="fade">
                                       <p:cBhvr>
-                                        <p:cTn id="34" dur="500"/>
+                                        <p:cTn id="29" dur="500"/>
                                         <p:tgtEl>
                                           <p:spTgt spid="1032"/>
                                         </p:tgtEl>
@@ -5195,26 +5220,26 @@
                     </p:cTn>
                   </p:par>
                   <p:par>
-                    <p:cTn id="35" fill="hold">
+                    <p:cTn id="30" fill="hold">
                       <p:stCondLst>
                         <p:cond delay="indefinite"/>
                       </p:stCondLst>
                       <p:childTnLst>
                         <p:par>
-                          <p:cTn id="36" fill="hold">
+                          <p:cTn id="31" fill="hold">
                             <p:stCondLst>
                               <p:cond delay="0"/>
                             </p:stCondLst>
                             <p:childTnLst>
                               <p:par>
-                                <p:cTn id="37" presetID="10" presetClass="entr" presetSubtype="0" fill="hold" grpId="0" nodeType="clickEffect">
+                                <p:cTn id="32" presetID="10" presetClass="entr" presetSubtype="0" fill="hold" grpId="0" nodeType="clickEffect">
                                   <p:stCondLst>
                                     <p:cond delay="0"/>
                                   </p:stCondLst>
                                   <p:childTnLst>
                                     <p:set>
                                       <p:cBhvr>
-                                        <p:cTn id="38" dur="1" fill="hold">
+                                        <p:cTn id="33" dur="1" fill="hold">
                                           <p:stCondLst>
                                             <p:cond delay="0"/>
                                           </p:stCondLst>
@@ -5222,7 +5247,7 @@
                                         <p:tgtEl>
                                           <p:spTgt spid="6">
                                             <p:txEl>
-                                              <p:pRg st="4" end="4"/>
+                                              <p:pRg st="3" end="3"/>
                                             </p:txEl>
                                           </p:spTgt>
                                         </p:tgtEl>
@@ -5236,11 +5261,11 @@
                                     </p:set>
                                     <p:animEffect transition="in" filter="fade">
                                       <p:cBhvr>
-                                        <p:cTn id="39" dur="500"/>
+                                        <p:cTn id="34" dur="500"/>
                                         <p:tgtEl>
                                           <p:spTgt spid="6">
                                             <p:txEl>
-                                              <p:pRg st="4" end="4"/>
+                                              <p:pRg st="3" end="3"/>
                                             </p:txEl>
                                           </p:spTgt>
                                         </p:tgtEl>
